--- a/documents/marketing/Marketingstrategie - Klassische Medien (5.8).pptx
+++ b/documents/marketing/Marketingstrategie - Klassische Medien (5.8).pptx
@@ -185,6 +185,20 @@
         </p14:section>
       </p14:sectionLst>
     </p:ext>
+    <p:ext uri="{EFAFB233-063F-42B5-8137-9DF3F51BA10A}">
+      <p15:sldGuideLst xmlns:p15="http://schemas.microsoft.com/office/powerpoint/2012/main">
+        <p15:guide id="1" orient="horz" pos="2160">
+          <p15:clr>
+            <a:srgbClr val="A4A3A4"/>
+          </p15:clr>
+        </p15:guide>
+        <p15:guide id="2" pos="2880">
+          <p15:clr>
+            <a:srgbClr val="A4A3A4"/>
+          </p15:clr>
+        </p15:guide>
+      </p15:sldGuideLst>
+    </p:ext>
   </p:extLst>
 </p:presentation>
 </file>
@@ -219,11 +233,11 @@
         </c:dLbls>
         <c:marker val="1"/>
         <c:smooth val="0"/>
-        <c:axId val="170296832"/>
-        <c:axId val="183418880"/>
+        <c:axId val="137297536"/>
+        <c:axId val="138249336"/>
       </c:lineChart>
       <c:catAx>
-        <c:axId val="170296832"/>
+        <c:axId val="137297536"/>
         <c:scaling>
           <c:orientation val="minMax"/>
         </c:scaling>
@@ -243,7 +257,7 @@
             <a:endParaRPr lang="de-DE"/>
           </a:p>
         </c:txPr>
-        <c:crossAx val="183418880"/>
+        <c:crossAx val="138249336"/>
         <c:crosses val="autoZero"/>
         <c:auto val="1"/>
         <c:lblAlgn val="ctr"/>
@@ -251,7 +265,7 @@
         <c:noMultiLvlLbl val="1"/>
       </c:catAx>
       <c:valAx>
-        <c:axId val="183418880"/>
+        <c:axId val="138249336"/>
         <c:scaling>
           <c:orientation val="minMax"/>
         </c:scaling>
@@ -262,7 +276,7 @@
         <c:majorTickMark val="out"/>
         <c:minorTickMark val="none"/>
         <c:tickLblPos val="nextTo"/>
-        <c:crossAx val="170296832"/>
+        <c:crossAx val="137297536"/>
         <c:crosses val="autoZero"/>
         <c:crossBetween val="between"/>
       </c:valAx>
@@ -364,7 +378,7 @@
           <a:p>
             <a:fld id="{95DA7A4A-CCA3-4709-AE5C-B70612B70DF1}" type="datetimeFigureOut">
               <a:rPr lang="de-DE" smtClean="0"/>
-              <a:t>21.01.2015</a:t>
+              <a:t>23.01.2015</a:t>
             </a:fld>
             <a:endParaRPr lang="de-DE"/>
           </a:p>
@@ -813,7 +827,7 @@
           <a:p>
             <a:fld id="{C12F2883-04BD-4DAA-A948-CECBCBEE6FE5}" type="datetime1">
               <a:rPr lang="de-DE" smtClean="0"/>
-              <a:t>21.01.2015</a:t>
+              <a:t>23.01.2015</a:t>
             </a:fld>
             <a:endParaRPr lang="de-DE"/>
           </a:p>
@@ -978,7 +992,7 @@
           <a:p>
             <a:fld id="{45DB60FF-8589-41DB-9CB8-FDB1C8712399}" type="datetime1">
               <a:rPr lang="de-DE" smtClean="0"/>
-              <a:t>21.01.2015</a:t>
+              <a:t>23.01.2015</a:t>
             </a:fld>
             <a:endParaRPr lang="de-DE"/>
           </a:p>
@@ -1153,7 +1167,7 @@
           <a:p>
             <a:fld id="{623E37D0-88EC-4346-89A2-12A8BFE82AE0}" type="datetime1">
               <a:rPr lang="de-DE" smtClean="0"/>
-              <a:t>21.01.2015</a:t>
+              <a:t>23.01.2015</a:t>
             </a:fld>
             <a:endParaRPr lang="de-DE"/>
           </a:p>
@@ -1318,7 +1332,7 @@
           <a:p>
             <a:fld id="{3EB1791F-321E-4EF0-AC89-9B5E051C81F3}" type="datetime1">
               <a:rPr lang="de-DE" smtClean="0"/>
-              <a:t>21.01.2015</a:t>
+              <a:t>23.01.2015</a:t>
             </a:fld>
             <a:endParaRPr lang="de-DE"/>
           </a:p>
@@ -1559,7 +1573,7 @@
           <a:p>
             <a:fld id="{22744B83-AE53-475A-B355-0AED6E3516CC}" type="datetime1">
               <a:rPr lang="de-DE" smtClean="0"/>
-              <a:t>21.01.2015</a:t>
+              <a:t>23.01.2015</a:t>
             </a:fld>
             <a:endParaRPr lang="de-DE"/>
           </a:p>
@@ -1842,7 +1856,7 @@
           <a:p>
             <a:fld id="{BE14A012-88D8-4AE7-A552-67D70864FA8B}" type="datetime1">
               <a:rPr lang="de-DE" smtClean="0"/>
-              <a:t>21.01.2015</a:t>
+              <a:t>23.01.2015</a:t>
             </a:fld>
             <a:endParaRPr lang="de-DE"/>
           </a:p>
@@ -2259,7 +2273,7 @@
           <a:p>
             <a:fld id="{445ACB48-45BE-499D-B356-702A3B0F6605}" type="datetime1">
               <a:rPr lang="de-DE" smtClean="0"/>
-              <a:t>21.01.2015</a:t>
+              <a:t>23.01.2015</a:t>
             </a:fld>
             <a:endParaRPr lang="de-DE"/>
           </a:p>
@@ -2372,7 +2386,7 @@
           <a:p>
             <a:fld id="{9F54A0AF-5ECC-4B67-9F23-F59426C3F899}" type="datetime1">
               <a:rPr lang="de-DE" smtClean="0"/>
-              <a:t>21.01.2015</a:t>
+              <a:t>23.01.2015</a:t>
             </a:fld>
             <a:endParaRPr lang="de-DE"/>
           </a:p>
@@ -2462,7 +2476,7 @@
           <a:p>
             <a:fld id="{D375BF5A-73F9-4FED-85E2-9D3FB2FE8876}" type="datetime1">
               <a:rPr lang="de-DE" smtClean="0"/>
-              <a:t>21.01.2015</a:t>
+              <a:t>23.01.2015</a:t>
             </a:fld>
             <a:endParaRPr lang="de-DE"/>
           </a:p>
@@ -2734,7 +2748,7 @@
           <a:p>
             <a:fld id="{31AC40A4-1922-4BD0-8989-420CEAEC6415}" type="datetime1">
               <a:rPr lang="de-DE" smtClean="0"/>
-              <a:t>21.01.2015</a:t>
+              <a:t>23.01.2015</a:t>
             </a:fld>
             <a:endParaRPr lang="de-DE"/>
           </a:p>
@@ -2982,7 +2996,7 @@
           <a:p>
             <a:fld id="{436B358D-4B12-427F-A2AC-2C169FFB3FF5}" type="datetime1">
               <a:rPr lang="de-DE" smtClean="0"/>
-              <a:t>21.01.2015</a:t>
+              <a:t>23.01.2015</a:t>
             </a:fld>
             <a:endParaRPr lang="de-DE"/>
           </a:p>
@@ -3190,7 +3204,7 @@
           <a:p>
             <a:fld id="{3EAEDF5D-2518-4F93-A6BB-C2198E8D704A}" type="datetime1">
               <a:rPr lang="de-DE" smtClean="0"/>
-              <a:t>21.01.2015</a:t>
+              <a:t>23.01.2015</a:t>
             </a:fld>
             <a:endParaRPr lang="de-DE"/>
           </a:p>
@@ -4573,14 +4587,21 @@
                 <a:latin typeface="Arial" panose="020B0604020202020204" pitchFamily="34" charset="0"/>
                 <a:cs typeface="Arial" panose="020B0604020202020204" pitchFamily="34" charset="0"/>
               </a:rPr>
-              <a:t>Einfacher </a:t>
+              <a:t>Einfacher Name</a:t>
+            </a:r>
+            <a:r>
+              <a:rPr lang="de-DE" sz="2400" dirty="0" smtClean="0">
+                <a:latin typeface="Arial" panose="020B0604020202020204" pitchFamily="34" charset="0"/>
+                <a:cs typeface="Arial" panose="020B0604020202020204" pitchFamily="34" charset="0"/>
+              </a:rPr>
+              <a:t>: </a:t>
             </a:r>
             <a:r>
               <a:rPr lang="de-DE" sz="2400" dirty="0" err="1" smtClean="0">
                 <a:latin typeface="Arial" panose="020B0604020202020204" pitchFamily="34" charset="0"/>
                 <a:cs typeface="Arial" panose="020B0604020202020204" pitchFamily="34" charset="0"/>
               </a:rPr>
-              <a:t>Name:GoHappy</a:t>
+              <a:t>GoHappy</a:t>
             </a:r>
             <a:r>
               <a:rPr lang="de-DE" sz="2400" dirty="0" smtClean="0">
@@ -4589,6 +4610,10 @@
               </a:rPr>
               <a:t> </a:t>
             </a:r>
+            <a:endParaRPr lang="de-DE" sz="2400" dirty="0" smtClean="0">
+              <a:latin typeface="Arial" panose="020B0604020202020204" pitchFamily="34" charset="0"/>
+              <a:cs typeface="Arial" panose="020B0604020202020204" pitchFamily="34" charset="0"/>
+            </a:endParaRPr>
           </a:p>
           <a:p>
             <a:pPr>
@@ -4635,7 +4660,21 @@
                 <a:latin typeface="Arial" panose="020B0604020202020204" pitchFamily="34" charset="0"/>
                 <a:cs typeface="Arial" panose="020B0604020202020204" pitchFamily="34" charset="0"/>
               </a:rPr>
-              <a:t>tryin</a:t>
+              <a:t>T</a:t>
+            </a:r>
+            <a:r>
+              <a:rPr lang="de-DE" sz="2400" dirty="0" err="1" smtClean="0">
+                <a:latin typeface="Arial" panose="020B0604020202020204" pitchFamily="34" charset="0"/>
+                <a:cs typeface="Arial" panose="020B0604020202020204" pitchFamily="34" charset="0"/>
+              </a:rPr>
+              <a:t>ryin</a:t>
+            </a:r>
+            <a:r>
+              <a:rPr lang="de-DE" sz="2400" dirty="0" smtClean="0">
+                <a:latin typeface="Arial" panose="020B0604020202020204" pitchFamily="34" charset="0"/>
+                <a:cs typeface="Arial" panose="020B0604020202020204" pitchFamily="34" charset="0"/>
+              </a:rPr>
+              <a:t>‘</a:t>
             </a:r>
             <a:endParaRPr lang="de-DE" sz="2400" dirty="0" smtClean="0">
               <a:latin typeface="Arial" panose="020B0604020202020204" pitchFamily="34" charset="0"/>
@@ -4783,8 +4822,19 @@
                 <a:latin typeface="Arial" panose="020B0604020202020204" pitchFamily="34" charset="0"/>
                 <a:cs typeface="Arial" panose="020B0604020202020204" pitchFamily="34" charset="0"/>
               </a:rPr>
-              <a:t>möglichen Nutzer wurden befragt</a:t>
-            </a:r>
+              <a:t>möglichen Nutzer wurden </a:t>
+            </a:r>
+            <a:r>
+              <a:rPr lang="de-DE" sz="2400" dirty="0" smtClean="0">
+                <a:latin typeface="Arial" panose="020B0604020202020204" pitchFamily="34" charset="0"/>
+                <a:cs typeface="Arial" panose="020B0604020202020204" pitchFamily="34" charset="0"/>
+              </a:rPr>
+              <a:t>befragt (hauptsächlich Studenten)</a:t>
+            </a:r>
+            <a:endParaRPr lang="de-DE" sz="2400" dirty="0" smtClean="0">
+              <a:latin typeface="Arial" panose="020B0604020202020204" pitchFamily="34" charset="0"/>
+              <a:cs typeface="Arial" panose="020B0604020202020204" pitchFamily="34" charset="0"/>
+            </a:endParaRPr>
           </a:p>
           <a:p>
             <a:pPr lvl="1">
@@ -4796,14 +4846,7 @@
                 <a:latin typeface="Arial" panose="020B0604020202020204" pitchFamily="34" charset="0"/>
                 <a:cs typeface="Arial" panose="020B0604020202020204" pitchFamily="34" charset="0"/>
               </a:rPr>
-              <a:t>Ziel: 	</a:t>
-            </a:r>
-            <a:r>
-              <a:rPr lang="de-DE" sz="2400" dirty="0" smtClean="0">
-                <a:latin typeface="Arial" panose="020B0604020202020204" pitchFamily="34" charset="0"/>
-                <a:cs typeface="Arial" panose="020B0604020202020204" pitchFamily="34" charset="0"/>
-              </a:rPr>
-              <a:t>inhaltliche Aspekte festzuhalten und 			Kundenwünsche / Vorlieben aufzunehmen</a:t>
+              <a:t>Ziel: 	inhaltliche Aspekte festzuhalten und 			Kundenwünsche / Vorlieben aufzunehmen</a:t>
             </a:r>
           </a:p>
           <a:p>
@@ -5461,14 +5504,7 @@
                 <a:latin typeface="Arial" panose="020B0604020202020204" pitchFamily="34" charset="0"/>
                 <a:cs typeface="Arial" panose="020B0604020202020204" pitchFamily="34" charset="0"/>
               </a:rPr>
-              <a:t>in </a:t>
-            </a:r>
-            <a:r>
-              <a:rPr lang="de-DE" sz="2600" dirty="0">
-                <a:latin typeface="Arial" panose="020B0604020202020204" pitchFamily="34" charset="0"/>
-                <a:cs typeface="Arial" panose="020B0604020202020204" pitchFamily="34" charset="0"/>
-              </a:rPr>
-              <a:t>Partyratgebern </a:t>
+              <a:t>in Partyratgebern </a:t>
             </a:r>
             <a:endParaRPr lang="de-DE" sz="2600" dirty="0" smtClean="0">
               <a:latin typeface="Arial" panose="020B0604020202020204" pitchFamily="34" charset="0"/>
@@ -5485,21 +5521,21 @@
                 <a:latin typeface="Arial" panose="020B0604020202020204" pitchFamily="34" charset="0"/>
                 <a:cs typeface="Arial" panose="020B0604020202020204" pitchFamily="34" charset="0"/>
               </a:rPr>
-              <a:t>(</a:t>
+              <a:t>überwiegend </a:t>
             </a:r>
             <a:r>
               <a:rPr lang="de-DE" sz="2600" dirty="0">
                 <a:latin typeface="Arial" panose="020B0604020202020204" pitchFamily="34" charset="0"/>
                 <a:cs typeface="Arial" panose="020B0604020202020204" pitchFamily="34" charset="0"/>
               </a:rPr>
-              <a:t>überwiegend in kostenlosen Zeitschriften, da Zielgruppe eher Studenten und Schüler sind</a:t>
+              <a:t>in kostenlosen Zeitschriften, da Zielgruppe eher Studenten und Schüler </a:t>
             </a:r>
             <a:r>
               <a:rPr lang="de-DE" sz="2600" dirty="0" smtClean="0">
                 <a:latin typeface="Arial" panose="020B0604020202020204" pitchFamily="34" charset="0"/>
                 <a:cs typeface="Arial" panose="020B0604020202020204" pitchFamily="34" charset="0"/>
               </a:rPr>
-              <a:t>) </a:t>
+              <a:t>sind</a:t>
             </a:r>
             <a:endParaRPr lang="de-DE" sz="2600" dirty="0">
               <a:latin typeface="Arial" panose="020B0604020202020204" pitchFamily="34" charset="0"/>
@@ -5672,7 +5708,7 @@
         </p:spPr>
         <p:txBody>
           <a:bodyPr>
-            <a:normAutofit lnSpcReduction="10000"/>
+            <a:normAutofit/>
           </a:bodyPr>
           <a:lstStyle/>
           <a:p>
@@ -5684,14 +5720,7 @@
                 <a:latin typeface="Arial" panose="020B0604020202020204" pitchFamily="34" charset="0"/>
                 <a:cs typeface="Arial" panose="020B0604020202020204" pitchFamily="34" charset="0"/>
               </a:rPr>
-              <a:t>2. </a:t>
-            </a:r>
-            <a:r>
-              <a:rPr lang="de-DE" sz="2600" b="1" dirty="0" smtClean="0">
-                <a:latin typeface="Arial" panose="020B0604020202020204" pitchFamily="34" charset="0"/>
-                <a:cs typeface="Arial" panose="020B0604020202020204" pitchFamily="34" charset="0"/>
-              </a:rPr>
-              <a:t>Radiowerbung</a:t>
+              <a:t>2. Radiowerbung</a:t>
             </a:r>
             <a:endParaRPr lang="de-DE" sz="2600" b="1" dirty="0">
               <a:latin typeface="Arial" panose="020B0604020202020204" pitchFamily="34" charset="0"/>
@@ -5699,15 +5728,10 @@
             </a:endParaRPr>
           </a:p>
           <a:p>
-            <a:pPr marL="457200" lvl="1" indent="-457200"/>
-            <a:endParaRPr lang="de-DE" sz="2400" dirty="0" smtClean="0">
-              <a:latin typeface="Arial" panose="020B0604020202020204" pitchFamily="34" charset="0"/>
-              <a:cs typeface="Arial" panose="020B0604020202020204" pitchFamily="34" charset="0"/>
-            </a:endParaRPr>
-          </a:p>
-          <a:p>
-            <a:pPr marL="0" lvl="1" indent="0">
-              <a:buNone/>
+            <a:pPr marL="457200" lvl="1" indent="-457200">
+              <a:lnSpc>
+                <a:spcPct val="110000"/>
+              </a:lnSpc>
             </a:pPr>
             <a:r>
               <a:rPr lang="de-DE" sz="2600" dirty="0" smtClean="0">
@@ -5777,35 +5801,30 @@
                 <a:latin typeface="Arial" panose="020B0604020202020204" pitchFamily="34" charset="0"/>
                 <a:cs typeface="Arial" panose="020B0604020202020204" pitchFamily="34" charset="0"/>
               </a:rPr>
-              <a:t>3. </a:t>
-            </a:r>
-            <a:r>
-              <a:rPr lang="de-DE" sz="2600" b="1" dirty="0" smtClean="0">
-                <a:latin typeface="Arial" panose="020B0604020202020204" pitchFamily="34" charset="0"/>
-                <a:cs typeface="Arial" panose="020B0604020202020204" pitchFamily="34" charset="0"/>
-              </a:rPr>
-              <a:t>Außenwerbung</a:t>
-            </a:r>
-          </a:p>
-          <a:p>
-            <a:pPr marL="0" lvl="1" indent="0">
-              <a:buNone/>
+              <a:t>3. Außenwerbung</a:t>
+            </a:r>
+          </a:p>
+          <a:p>
+            <a:pPr>
+              <a:lnSpc>
+                <a:spcPct val="110000"/>
+              </a:lnSpc>
+              <a:buFont typeface="Symbol" panose="05050102010706020507" pitchFamily="18" charset="2"/>
+              <a:buChar char="-"/>
             </a:pPr>
-            <a:endParaRPr lang="de-DE" sz="2600" b="1" dirty="0">
-              <a:latin typeface="Arial" panose="020B0604020202020204" pitchFamily="34" charset="0"/>
-              <a:cs typeface="Arial" panose="020B0604020202020204" pitchFamily="34" charset="0"/>
-            </a:endParaRPr>
-          </a:p>
-          <a:p>
-            <a:pPr marL="0" indent="0">
-              <a:buNone/>
-            </a:pPr>
+            <a:r>
+              <a:rPr lang="de-DE" sz="2600" dirty="0" smtClean="0">
+                <a:latin typeface="Arial" panose="020B0604020202020204" pitchFamily="34" charset="0"/>
+                <a:cs typeface="Arial" panose="020B0604020202020204" pitchFamily="34" charset="0"/>
+              </a:rPr>
+              <a:t>Plakate </a:t>
+            </a:r>
             <a:r>
               <a:rPr lang="de-DE" sz="2600" dirty="0">
                 <a:latin typeface="Arial" panose="020B0604020202020204" pitchFamily="34" charset="0"/>
                 <a:cs typeface="Arial" panose="020B0604020202020204" pitchFamily="34" charset="0"/>
               </a:rPr>
-              <a:t>Plakate gezielt platzieren, z. B. an Schulen, Hochschulen, Universitäten, Locations mit </a:t>
+              <a:t>gezielt platzieren, z. B. an Schulen, Hochschulen, Universitäten, Locations mit </a:t>
             </a:r>
             <a:r>
               <a:rPr lang="de-DE" sz="2600" dirty="0" err="1" smtClean="0">
@@ -6132,14 +6151,7 @@
                 <a:latin typeface="Arial" panose="020B0604020202020204" pitchFamily="34" charset="0"/>
                 <a:cs typeface="Arial" panose="020B0604020202020204" pitchFamily="34" charset="0"/>
               </a:rPr>
-              <a:t>4. </a:t>
-            </a:r>
-            <a:r>
-              <a:rPr lang="de-DE" sz="2600" b="1" dirty="0" smtClean="0">
-                <a:latin typeface="Arial" panose="020B0604020202020204" pitchFamily="34" charset="0"/>
-                <a:cs typeface="Arial" panose="020B0604020202020204" pitchFamily="34" charset="0"/>
-              </a:rPr>
-              <a:t>Werbeartikel</a:t>
+              <a:t>4. Werbeartikel</a:t>
             </a:r>
           </a:p>
           <a:p>
@@ -8368,28 +8380,7 @@
                 <a:latin typeface="Arial" panose="020B0604020202020204" pitchFamily="34" charset="0"/>
                 <a:cs typeface="Arial" panose="020B0604020202020204" pitchFamily="34" charset="0"/>
               </a:rPr>
-              <a:t>Werbemittel sollen </a:t>
-            </a:r>
-            <a:r>
-              <a:rPr lang="de-DE" sz="2400" dirty="0" smtClean="0">
-                <a:latin typeface="Arial" panose="020B0604020202020204" pitchFamily="34" charset="0"/>
-                <a:cs typeface="Arial" panose="020B0604020202020204" pitchFamily="34" charset="0"/>
-              </a:rPr>
-              <a:t>z.B. </a:t>
-            </a:r>
-            <a:r>
-              <a:rPr lang="de-DE" sz="2400" dirty="0" smtClean="0">
-                <a:latin typeface="Arial" panose="020B0604020202020204" pitchFamily="34" charset="0"/>
-                <a:cs typeface="Arial" panose="020B0604020202020204" pitchFamily="34" charset="0"/>
-              </a:rPr>
-              <a:t>Flyer, Streichhölzer, Plakate genutzt </a:t>
-            </a:r>
-            <a:r>
-              <a:rPr lang="de-DE" sz="2400" dirty="0" smtClean="0">
-                <a:latin typeface="Arial" panose="020B0604020202020204" pitchFamily="34" charset="0"/>
-                <a:cs typeface="Arial" panose="020B0604020202020204" pitchFamily="34" charset="0"/>
-              </a:rPr>
-              <a:t>werden</a:t>
+              <a:t>Werbemittel sollen z.B. Flyer, Streichhölzer, Plakate genutzt werden</a:t>
             </a:r>
           </a:p>
           <a:p>
@@ -8402,81 +8393,60 @@
                 <a:latin typeface="Arial" panose="020B0604020202020204" pitchFamily="34" charset="0"/>
                 <a:cs typeface="Arial" panose="020B0604020202020204" pitchFamily="34" charset="0"/>
               </a:rPr>
-              <a:t>Die Werbemittel müssen geschickt platziert werden, </a:t>
-            </a:r>
+              <a:t>Die Werbemittel müssen geschickt platziert werden, z.B. Plakat an Universität/Hochschule</a:t>
+            </a:r>
+          </a:p>
+          <a:p>
+            <a:pPr>
+              <a:buFont typeface="Wingdings" panose="05000000000000000000" pitchFamily="2" charset="2"/>
+              <a:buChar char="Ø"/>
+            </a:pPr>
             <a:r>
               <a:rPr lang="de-DE" sz="2400" dirty="0" smtClean="0">
                 <a:latin typeface="Arial" panose="020B0604020202020204" pitchFamily="34" charset="0"/>
                 <a:cs typeface="Arial" panose="020B0604020202020204" pitchFamily="34" charset="0"/>
               </a:rPr>
-              <a:t>z.B</a:t>
+              <a:t>Bei der Gestaltung der Werbemittel sollte – wie durch die Befragten mehrmals bestätigt – darauf aufmerksam gemacht werden, dass mit Hilfe der Web-Anwendung „</a:t>
+            </a:r>
+            <a:r>
+              <a:rPr lang="de-DE" sz="2400" dirty="0" err="1" smtClean="0">
+                <a:latin typeface="Arial" panose="020B0604020202020204" pitchFamily="34" charset="0"/>
+                <a:cs typeface="Arial" panose="020B0604020202020204" pitchFamily="34" charset="0"/>
+              </a:rPr>
+              <a:t>GoHappy</a:t>
             </a:r>
             <a:r>
               <a:rPr lang="de-DE" sz="2400" dirty="0" smtClean="0">
                 <a:latin typeface="Arial" panose="020B0604020202020204" pitchFamily="34" charset="0"/>
                 <a:cs typeface="Arial" panose="020B0604020202020204" pitchFamily="34" charset="0"/>
               </a:rPr>
-              <a:t>. Plakat an </a:t>
+              <a:t>“ ganz schnell </a:t>
             </a:r>
             <a:r>
               <a:rPr lang="de-DE" sz="2400" dirty="0" smtClean="0">
                 <a:latin typeface="Arial" panose="020B0604020202020204" pitchFamily="34" charset="0"/>
                 <a:cs typeface="Arial" panose="020B0604020202020204" pitchFamily="34" charset="0"/>
               </a:rPr>
-              <a:t>Universität/Hochschule</a:t>
+              <a:t>eine Route für den Abend mit vielen </a:t>
+            </a:r>
+            <a:r>
+              <a:rPr lang="de-DE" sz="2400" dirty="0" err="1" smtClean="0">
+                <a:latin typeface="Arial" panose="020B0604020202020204" pitchFamily="34" charset="0"/>
+                <a:cs typeface="Arial" panose="020B0604020202020204" pitchFamily="34" charset="0"/>
+              </a:rPr>
+              <a:t>HappyHours</a:t>
+            </a:r>
+            <a:r>
+              <a:rPr lang="de-DE" sz="2400" dirty="0" smtClean="0">
+                <a:latin typeface="Arial" panose="020B0604020202020204" pitchFamily="34" charset="0"/>
+                <a:cs typeface="Arial" panose="020B0604020202020204" pitchFamily="34" charset="0"/>
+              </a:rPr>
+              <a:t> geplant werden kann</a:t>
             </a:r>
             <a:endParaRPr lang="de-DE" sz="2400" dirty="0" smtClean="0">
               <a:latin typeface="Arial" panose="020B0604020202020204" pitchFamily="34" charset="0"/>
               <a:cs typeface="Arial" panose="020B0604020202020204" pitchFamily="34" charset="0"/>
             </a:endParaRPr>
-          </a:p>
-          <a:p>
-            <a:pPr>
-              <a:buFont typeface="Wingdings" panose="05000000000000000000" pitchFamily="2" charset="2"/>
-              <a:buChar char="Ø"/>
-            </a:pPr>
-            <a:r>
-              <a:rPr lang="de-DE" sz="2400" dirty="0" smtClean="0">
-                <a:latin typeface="Arial" panose="020B0604020202020204" pitchFamily="34" charset="0"/>
-                <a:cs typeface="Arial" panose="020B0604020202020204" pitchFamily="34" charset="0"/>
-              </a:rPr>
-              <a:t>Bei der Gestaltung der Werbemittel sollte – wie durch die Befragten mehrmals bestätigt </a:t>
-            </a:r>
-            <a:r>
-              <a:rPr lang="de-DE" sz="2400" dirty="0" smtClean="0">
-                <a:latin typeface="Arial" panose="020B0604020202020204" pitchFamily="34" charset="0"/>
-                <a:cs typeface="Arial" panose="020B0604020202020204" pitchFamily="34" charset="0"/>
-              </a:rPr>
-              <a:t>– </a:t>
-            </a:r>
-            <a:r>
-              <a:rPr lang="de-DE" sz="2400" dirty="0" smtClean="0">
-                <a:latin typeface="Arial" panose="020B0604020202020204" pitchFamily="34" charset="0"/>
-                <a:cs typeface="Arial" panose="020B0604020202020204" pitchFamily="34" charset="0"/>
-              </a:rPr>
-              <a:t>darauf aufmerksam gemacht werden, dass mit Hilfe der Web-Anwendung „</a:t>
-            </a:r>
-            <a:r>
-              <a:rPr lang="de-DE" sz="2400" dirty="0" err="1" smtClean="0">
-                <a:latin typeface="Arial" panose="020B0604020202020204" pitchFamily="34" charset="0"/>
-                <a:cs typeface="Arial" panose="020B0604020202020204" pitchFamily="34" charset="0"/>
-              </a:rPr>
-              <a:t>GoHappy</a:t>
-            </a:r>
-            <a:r>
-              <a:rPr lang="de-DE" sz="2400" dirty="0" smtClean="0">
-                <a:latin typeface="Arial" panose="020B0604020202020204" pitchFamily="34" charset="0"/>
-                <a:cs typeface="Arial" panose="020B0604020202020204" pitchFamily="34" charset="0"/>
-              </a:rPr>
-              <a:t>“ ganz schnell und einfach Geld gespart werden </a:t>
-            </a:r>
-            <a:r>
-              <a:rPr lang="de-DE" sz="2400" dirty="0" smtClean="0">
-                <a:latin typeface="Arial" panose="020B0604020202020204" pitchFamily="34" charset="0"/>
-                <a:cs typeface="Arial" panose="020B0604020202020204" pitchFamily="34" charset="0"/>
-              </a:rPr>
-              <a:t>kann</a:t>
-            </a:r>
           </a:p>
           <a:p>
             <a:pPr>
@@ -8815,14 +8785,14 @@
               <a:t>Ziel und </a:t>
             </a:r>
             <a:r>
-              <a:rPr lang="de-DE" sz="2400" b="1" dirty="0" err="1">
-                <a:latin typeface="Arial" panose="020B0604020202020204" pitchFamily="34" charset="0"/>
-                <a:cs typeface="Arial" panose="020B0604020202020204" pitchFamily="34" charset="0"/>
-              </a:rPr>
-              <a:t>Durchfühung</a:t>
-            </a:r>
-            <a:r>
-              <a:rPr lang="de-DE" sz="2400" b="1" dirty="0">
+              <a:rPr lang="de-DE" sz="2400" b="1" dirty="0" err="1" smtClean="0">
+                <a:latin typeface="Arial" panose="020B0604020202020204" pitchFamily="34" charset="0"/>
+                <a:cs typeface="Arial" panose="020B0604020202020204" pitchFamily="34" charset="0"/>
+              </a:rPr>
+              <a:t>Durchfürhung</a:t>
+            </a:r>
+            <a:r>
+              <a:rPr lang="de-DE" sz="2400" b="1" dirty="0" smtClean="0">
                 <a:latin typeface="Arial" panose="020B0604020202020204" pitchFamily="34" charset="0"/>
                 <a:cs typeface="Arial" panose="020B0604020202020204" pitchFamily="34" charset="0"/>
               </a:rPr>
@@ -9483,11 +9453,11 @@
           <a:p>
             <a:pPr lvl="1"/>
             <a:r>
-              <a:rPr lang="de-DE" dirty="0" err="1" smtClean="0">
-                <a:latin typeface="Arial" panose="020B0604020202020204" pitchFamily="34" charset="0"/>
-                <a:cs typeface="Arial" panose="020B0604020202020204" pitchFamily="34" charset="0"/>
-              </a:rPr>
-              <a:t>Vetriebspolitik</a:t>
+              <a:rPr lang="de-DE" dirty="0" smtClean="0">
+                <a:latin typeface="Arial" panose="020B0604020202020204" pitchFamily="34" charset="0"/>
+                <a:cs typeface="Arial" panose="020B0604020202020204" pitchFamily="34" charset="0"/>
+              </a:rPr>
+              <a:t>Vertriebspolitik</a:t>
             </a:r>
             <a:endParaRPr lang="de-DE" dirty="0" smtClean="0">
               <a:latin typeface="Arial" panose="020B0604020202020204" pitchFamily="34" charset="0"/>
@@ -10434,7 +10404,7 @@
         </p:spPr>
         <p:txBody>
           <a:bodyPr>
-            <a:normAutofit fontScale="92500" lnSpcReduction="20000"/>
+            <a:normAutofit fontScale="85000" lnSpcReduction="10000"/>
           </a:bodyPr>
           <a:lstStyle/>
           <a:p>
@@ -10459,7 +10429,11 @@
             </a:r>
           </a:p>
           <a:p>
-            <a:pPr marL="571500" lvl="1" indent="-457200"/>
+            <a:pPr marL="571500" lvl="1" indent="-457200">
+              <a:lnSpc>
+                <a:spcPct val="120000"/>
+              </a:lnSpc>
+            </a:pPr>
             <a:r>
               <a:rPr lang="de-DE" sz="2600" dirty="0" smtClean="0">
                 <a:latin typeface="Arial" panose="020B0604020202020204" pitchFamily="34" charset="0"/>

--- a/documents/marketing/Marketingstrategie - Klassische Medien (5.8).pptx
+++ b/documents/marketing/Marketingstrategie - Klassische Medien (5.8).pptx
@@ -233,11 +233,11 @@
         </c:dLbls>
         <c:marker val="1"/>
         <c:smooth val="0"/>
-        <c:axId val="137297536"/>
-        <c:axId val="138249336"/>
+        <c:axId val="217530800"/>
+        <c:axId val="153025080"/>
       </c:lineChart>
       <c:catAx>
-        <c:axId val="137297536"/>
+        <c:axId val="217530800"/>
         <c:scaling>
           <c:orientation val="minMax"/>
         </c:scaling>
@@ -257,7 +257,7 @@
             <a:endParaRPr lang="de-DE"/>
           </a:p>
         </c:txPr>
-        <c:crossAx val="138249336"/>
+        <c:crossAx val="153025080"/>
         <c:crosses val="autoZero"/>
         <c:auto val="1"/>
         <c:lblAlgn val="ctr"/>
@@ -265,7 +265,7 @@
         <c:noMultiLvlLbl val="1"/>
       </c:catAx>
       <c:valAx>
-        <c:axId val="138249336"/>
+        <c:axId val="153025080"/>
         <c:scaling>
           <c:orientation val="minMax"/>
         </c:scaling>
@@ -276,14 +276,13 @@
         <c:majorTickMark val="out"/>
         <c:minorTickMark val="none"/>
         <c:tickLblPos val="nextTo"/>
-        <c:crossAx val="137297536"/>
+        <c:crossAx val="217530800"/>
         <c:crosses val="autoZero"/>
         <c:crossBetween val="between"/>
       </c:valAx>
     </c:plotArea>
     <c:legend>
       <c:legendPos val="b"/>
-      <c:layout/>
       <c:overlay val="0"/>
     </c:legend>
     <c:plotVisOnly val="1"/>
@@ -4587,33 +4586,22 @@
                 <a:latin typeface="Arial" panose="020B0604020202020204" pitchFamily="34" charset="0"/>
                 <a:cs typeface="Arial" panose="020B0604020202020204" pitchFamily="34" charset="0"/>
               </a:rPr>
-              <a:t>Einfacher Name</a:t>
+              <a:t>Einfacher Name: </a:t>
+            </a:r>
+            <a:r>
+              <a:rPr lang="de-DE" sz="2400" dirty="0" err="1" smtClean="0">
+                <a:latin typeface="Arial" panose="020B0604020202020204" pitchFamily="34" charset="0"/>
+                <a:cs typeface="Arial" panose="020B0604020202020204" pitchFamily="34" charset="0"/>
+              </a:rPr>
+              <a:t>GoHappy</a:t>
             </a:r>
             <a:r>
               <a:rPr lang="de-DE" sz="2400" dirty="0" smtClean="0">
                 <a:latin typeface="Arial" panose="020B0604020202020204" pitchFamily="34" charset="0"/>
                 <a:cs typeface="Arial" panose="020B0604020202020204" pitchFamily="34" charset="0"/>
               </a:rPr>
-              <a:t>: </a:t>
-            </a:r>
-            <a:r>
-              <a:rPr lang="de-DE" sz="2400" dirty="0" err="1" smtClean="0">
-                <a:latin typeface="Arial" panose="020B0604020202020204" pitchFamily="34" charset="0"/>
-                <a:cs typeface="Arial" panose="020B0604020202020204" pitchFamily="34" charset="0"/>
-              </a:rPr>
-              <a:t>GoHappy</a:t>
-            </a:r>
-            <a:r>
-              <a:rPr lang="de-DE" sz="2400" dirty="0" smtClean="0">
-                <a:latin typeface="Arial" panose="020B0604020202020204" pitchFamily="34" charset="0"/>
-                <a:cs typeface="Arial" panose="020B0604020202020204" pitchFamily="34" charset="0"/>
-              </a:rPr>
               <a:t> </a:t>
             </a:r>
-            <a:endParaRPr lang="de-DE" sz="2400" dirty="0" smtClean="0">
-              <a:latin typeface="Arial" panose="020B0604020202020204" pitchFamily="34" charset="0"/>
-              <a:cs typeface="Arial" panose="020B0604020202020204" pitchFamily="34" charset="0"/>
-            </a:endParaRPr>
           </a:p>
           <a:p>
             <a:pPr>
@@ -4660,14 +4648,7 @@
                 <a:latin typeface="Arial" panose="020B0604020202020204" pitchFamily="34" charset="0"/>
                 <a:cs typeface="Arial" panose="020B0604020202020204" pitchFamily="34" charset="0"/>
               </a:rPr>
-              <a:t>T</a:t>
-            </a:r>
-            <a:r>
-              <a:rPr lang="de-DE" sz="2400" dirty="0" err="1" smtClean="0">
-                <a:latin typeface="Arial" panose="020B0604020202020204" pitchFamily="34" charset="0"/>
-                <a:cs typeface="Arial" panose="020B0604020202020204" pitchFamily="34" charset="0"/>
-              </a:rPr>
-              <a:t>ryin</a:t>
+              <a:t>Tryin</a:t>
             </a:r>
             <a:r>
               <a:rPr lang="de-DE" sz="2400" dirty="0" smtClean="0">
@@ -4676,10 +4657,6 @@
               </a:rPr>
               <a:t>‘</a:t>
             </a:r>
-            <a:endParaRPr lang="de-DE" sz="2400" dirty="0" smtClean="0">
-              <a:latin typeface="Arial" panose="020B0604020202020204" pitchFamily="34" charset="0"/>
-              <a:cs typeface="Arial" panose="020B0604020202020204" pitchFamily="34" charset="0"/>
-            </a:endParaRPr>
           </a:p>
           <a:p>
             <a:endParaRPr lang="de-DE" dirty="0"/>
@@ -4822,19 +4799,8 @@
                 <a:latin typeface="Arial" panose="020B0604020202020204" pitchFamily="34" charset="0"/>
                 <a:cs typeface="Arial" panose="020B0604020202020204" pitchFamily="34" charset="0"/>
               </a:rPr>
-              <a:t>möglichen Nutzer wurden </a:t>
-            </a:r>
-            <a:r>
-              <a:rPr lang="de-DE" sz="2400" dirty="0" smtClean="0">
-                <a:latin typeface="Arial" panose="020B0604020202020204" pitchFamily="34" charset="0"/>
-                <a:cs typeface="Arial" panose="020B0604020202020204" pitchFamily="34" charset="0"/>
-              </a:rPr>
-              <a:t>befragt (hauptsächlich Studenten)</a:t>
-            </a:r>
-            <a:endParaRPr lang="de-DE" sz="2400" dirty="0" smtClean="0">
-              <a:latin typeface="Arial" panose="020B0604020202020204" pitchFamily="34" charset="0"/>
-              <a:cs typeface="Arial" panose="020B0604020202020204" pitchFamily="34" charset="0"/>
-            </a:endParaRPr>
+              <a:t>möglichen Nutzer wurden befragt (hauptsächlich Studenten)</a:t>
+            </a:r>
           </a:p>
           <a:p>
             <a:pPr lvl="1">
@@ -8420,33 +8386,22 @@
                 <a:latin typeface="Arial" panose="020B0604020202020204" pitchFamily="34" charset="0"/>
                 <a:cs typeface="Arial" panose="020B0604020202020204" pitchFamily="34" charset="0"/>
               </a:rPr>
-              <a:t>“ ganz schnell </a:t>
+              <a:t>“ ganz schnell eine Route für den Abend mit vielen </a:t>
+            </a:r>
+            <a:r>
+              <a:rPr lang="de-DE" sz="2400" dirty="0" err="1" smtClean="0">
+                <a:latin typeface="Arial" panose="020B0604020202020204" pitchFamily="34" charset="0"/>
+                <a:cs typeface="Arial" panose="020B0604020202020204" pitchFamily="34" charset="0"/>
+              </a:rPr>
+              <a:t>HappyHours</a:t>
             </a:r>
             <a:r>
               <a:rPr lang="de-DE" sz="2400" dirty="0" smtClean="0">
                 <a:latin typeface="Arial" panose="020B0604020202020204" pitchFamily="34" charset="0"/>
                 <a:cs typeface="Arial" panose="020B0604020202020204" pitchFamily="34" charset="0"/>
               </a:rPr>
-              <a:t>eine Route für den Abend mit vielen </a:t>
-            </a:r>
-            <a:r>
-              <a:rPr lang="de-DE" sz="2400" dirty="0" err="1" smtClean="0">
-                <a:latin typeface="Arial" panose="020B0604020202020204" pitchFamily="34" charset="0"/>
-                <a:cs typeface="Arial" panose="020B0604020202020204" pitchFamily="34" charset="0"/>
-              </a:rPr>
-              <a:t>HappyHours</a:t>
-            </a:r>
-            <a:r>
-              <a:rPr lang="de-DE" sz="2400" dirty="0" smtClean="0">
-                <a:latin typeface="Arial" panose="020B0604020202020204" pitchFamily="34" charset="0"/>
-                <a:cs typeface="Arial" panose="020B0604020202020204" pitchFamily="34" charset="0"/>
-              </a:rPr>
               <a:t> geplant werden kann</a:t>
             </a:r>
-            <a:endParaRPr lang="de-DE" sz="2400" dirty="0" smtClean="0">
-              <a:latin typeface="Arial" panose="020B0604020202020204" pitchFamily="34" charset="0"/>
-              <a:cs typeface="Arial" panose="020B0604020202020204" pitchFamily="34" charset="0"/>
-            </a:endParaRPr>
           </a:p>
           <a:p>
             <a:pPr>
@@ -8785,18 +8740,11 @@
               <a:t>Ziel und </a:t>
             </a:r>
             <a:r>
-              <a:rPr lang="de-DE" sz="2400" b="1" dirty="0" err="1" smtClean="0">
-                <a:latin typeface="Arial" panose="020B0604020202020204" pitchFamily="34" charset="0"/>
-                <a:cs typeface="Arial" panose="020B0604020202020204" pitchFamily="34" charset="0"/>
-              </a:rPr>
-              <a:t>Durchfürhung</a:t>
-            </a:r>
-            <a:r>
               <a:rPr lang="de-DE" sz="2400" b="1" dirty="0" smtClean="0">
                 <a:latin typeface="Arial" panose="020B0604020202020204" pitchFamily="34" charset="0"/>
                 <a:cs typeface="Arial" panose="020B0604020202020204" pitchFamily="34" charset="0"/>
               </a:rPr>
-              <a:t> </a:t>
+              <a:t>Durchführung </a:t>
             </a:r>
             <a:endParaRPr lang="de-DE" sz="1800" b="1" dirty="0">
               <a:latin typeface="Arial" panose="020B0604020202020204" pitchFamily="34" charset="0"/>
@@ -9459,10 +9407,6 @@
               </a:rPr>
               <a:t>Vertriebspolitik</a:t>
             </a:r>
-            <a:endParaRPr lang="de-DE" dirty="0" smtClean="0">
-              <a:latin typeface="Arial" panose="020B0604020202020204" pitchFamily="34" charset="0"/>
-              <a:cs typeface="Arial" panose="020B0604020202020204" pitchFamily="34" charset="0"/>
-            </a:endParaRPr>
           </a:p>
           <a:p>
             <a:pPr lvl="1"/>

--- a/documents/marketing/Marketingstrategie - Klassische Medien (5.8).pptx
+++ b/documents/marketing/Marketingstrategie - Klassische Medien (5.8).pptx
@@ -233,11 +233,11 @@
         </c:dLbls>
         <c:marker val="1"/>
         <c:smooth val="0"/>
-        <c:axId val="217530800"/>
-        <c:axId val="153025080"/>
+        <c:axId val="136381160"/>
+        <c:axId val="136408136"/>
       </c:lineChart>
       <c:catAx>
-        <c:axId val="217530800"/>
+        <c:axId val="136381160"/>
         <c:scaling>
           <c:orientation val="minMax"/>
         </c:scaling>
@@ -257,7 +257,7 @@
             <a:endParaRPr lang="de-DE"/>
           </a:p>
         </c:txPr>
-        <c:crossAx val="153025080"/>
+        <c:crossAx val="136408136"/>
         <c:crosses val="autoZero"/>
         <c:auto val="1"/>
         <c:lblAlgn val="ctr"/>
@@ -265,7 +265,7 @@
         <c:noMultiLvlLbl val="1"/>
       </c:catAx>
       <c:valAx>
-        <c:axId val="153025080"/>
+        <c:axId val="136408136"/>
         <c:scaling>
           <c:orientation val="minMax"/>
         </c:scaling>
@@ -276,7 +276,7 @@
         <c:majorTickMark val="out"/>
         <c:minorTickMark val="none"/>
         <c:tickLblPos val="nextTo"/>
-        <c:crossAx val="217530800"/>
+        <c:crossAx val="136381160"/>
         <c:crosses val="autoZero"/>
         <c:crossBetween val="between"/>
       </c:valAx>
@@ -8802,26 +8802,9 @@
             </a:endParaRPr>
           </a:p>
           <a:p>
-            <a:r>
-              <a:rPr lang="de-DE" sz="2400" dirty="0">
-                <a:latin typeface="Arial" panose="020B0604020202020204" pitchFamily="34" charset="0"/>
-                <a:cs typeface="Arial" panose="020B0604020202020204" pitchFamily="34" charset="0"/>
-              </a:rPr>
-              <a:t>Implementierung der konkreten </a:t>
-            </a:r>
-            <a:r>
-              <a:rPr lang="de-DE" sz="2400" dirty="0" smtClean="0">
-                <a:latin typeface="Arial" panose="020B0604020202020204" pitchFamily="34" charset="0"/>
-                <a:cs typeface="Arial" panose="020B0604020202020204" pitchFamily="34" charset="0"/>
-              </a:rPr>
-              <a:t>Marketingaktivitäten</a:t>
-            </a:r>
-            <a:endParaRPr lang="de-DE" sz="2400" dirty="0">
-              <a:latin typeface="Arial" panose="020B0604020202020204" pitchFamily="34" charset="0"/>
-              <a:cs typeface="Arial" panose="020B0604020202020204" pitchFamily="34" charset="0"/>
-            </a:endParaRPr>
-          </a:p>
-          <a:p>
+            <a:pPr marL="0" indent="0">
+              <a:buNone/>
+            </a:pPr>
             <a:endParaRPr lang="de-DE" dirty="0"/>
           </a:p>
         </p:txBody>
